--- a/slides/Chapter8.pptx
+++ b/slides/Chapter8.pptx
@@ -228,7 +228,7 @@
           <a:p>
             <a:fld id="{D2A48B96-639E-45A3-A0BA-2464DFDB1FAA}" type="datetimeFigureOut">
               <a:rPr lang="zh-CN" altLang="en-US" smtClean="0"/>
-              <a:t>2023/1/24</a:t>
+              <a:t>2023/1/28</a:t>
             </a:fld>
             <a:endParaRPr lang="zh-CN" altLang="en-US"/>
           </a:p>
@@ -2182,7 +2182,7 @@
           <a:p>
             <a:fld id="{D997B5FA-0921-464F-AAE1-844C04324D75}" type="datetimeFigureOut">
               <a:rPr lang="zh-CN" altLang="en-US" smtClean="0"/>
-              <a:t>2023/1/24</a:t>
+              <a:t>2023/1/28</a:t>
             </a:fld>
             <a:endParaRPr lang="zh-CN" altLang="en-US"/>
           </a:p>
@@ -2345,7 +2345,7 @@
           <a:p>
             <a:fld id="{D997B5FA-0921-464F-AAE1-844C04324D75}" type="datetimeFigureOut">
               <a:rPr lang="zh-CN" altLang="en-US" smtClean="0"/>
-              <a:t>2023/1/24</a:t>
+              <a:t>2023/1/28</a:t>
             </a:fld>
             <a:endParaRPr lang="zh-CN" altLang="en-US"/>
           </a:p>
@@ -2518,7 +2518,7 @@
           <a:p>
             <a:fld id="{D997B5FA-0921-464F-AAE1-844C04324D75}" type="datetimeFigureOut">
               <a:rPr lang="zh-CN" altLang="en-US" smtClean="0"/>
-              <a:t>2023/1/24</a:t>
+              <a:t>2023/1/28</a:t>
             </a:fld>
             <a:endParaRPr lang="zh-CN" altLang="en-US"/>
           </a:p>
@@ -3192,7 +3192,7 @@
           <a:p>
             <a:fld id="{760FBDFE-C587-4B4C-A407-44438C67B59E}" type="datetimeFigureOut">
               <a:rPr lang="zh-CN" altLang="en-US" smtClean="0"/>
-              <a:t>2023/1/24</a:t>
+              <a:t>2023/1/28</a:t>
             </a:fld>
             <a:endParaRPr lang="zh-CN" altLang="en-US"/>
           </a:p>
@@ -4060,7 +4060,7 @@
           <a:p>
             <a:fld id="{760FBDFE-C587-4B4C-A407-44438C67B59E}" type="datetimeFigureOut">
               <a:rPr lang="zh-CN" altLang="en-US" smtClean="0"/>
-              <a:t>2023/1/24</a:t>
+              <a:t>2023/1/28</a:t>
             </a:fld>
             <a:endParaRPr lang="zh-CN" altLang="en-US"/>
           </a:p>
@@ -4868,7 +4868,7 @@
           <a:p>
             <a:fld id="{760FBDFE-C587-4B4C-A407-44438C67B59E}" type="datetimeFigureOut">
               <a:rPr lang="zh-CN" altLang="en-US" smtClean="0"/>
-              <a:t>2023/1/24</a:t>
+              <a:t>2023/1/28</a:t>
             </a:fld>
             <a:endParaRPr lang="zh-CN" altLang="en-US"/>
           </a:p>
@@ -5605,7 +5605,7 @@
           <a:p>
             <a:fld id="{760FBDFE-C587-4B4C-A407-44438C67B59E}" type="datetimeFigureOut">
               <a:rPr lang="zh-CN" altLang="en-US" smtClean="0"/>
-              <a:t>2023/1/24</a:t>
+              <a:t>2023/1/28</a:t>
             </a:fld>
             <a:endParaRPr lang="zh-CN" altLang="en-US"/>
           </a:p>
@@ -6586,7 +6586,7 @@
           <a:p>
             <a:fld id="{760FBDFE-C587-4B4C-A407-44438C67B59E}" type="datetimeFigureOut">
               <a:rPr lang="zh-CN" altLang="en-US" smtClean="0"/>
-              <a:t>2023/1/24</a:t>
+              <a:t>2023/1/28</a:t>
             </a:fld>
             <a:endParaRPr lang="zh-CN" altLang="en-US"/>
           </a:p>
@@ -7209,7 +7209,7 @@
           <a:p>
             <a:fld id="{760FBDFE-C587-4B4C-A407-44438C67B59E}" type="datetimeFigureOut">
               <a:rPr lang="zh-CN" altLang="en-US" smtClean="0"/>
-              <a:t>2023/1/24</a:t>
+              <a:t>2023/1/28</a:t>
             </a:fld>
             <a:endParaRPr lang="zh-CN" altLang="en-US"/>
           </a:p>
@@ -7316,7 +7316,7 @@
           <a:p>
             <a:fld id="{760FBDFE-C587-4B4C-A407-44438C67B59E}" type="datetimeFigureOut">
               <a:rPr lang="zh-CN" altLang="en-US" smtClean="0"/>
-              <a:t>2023/1/24</a:t>
+              <a:t>2023/1/28</a:t>
             </a:fld>
             <a:endParaRPr lang="zh-CN" altLang="en-US"/>
           </a:p>
@@ -7942,7 +7942,7 @@
           <a:p>
             <a:fld id="{9EFD9D74-47D9-4702-A33C-335B63B48DBF}" type="datetimeFigureOut">
               <a:rPr lang="zh-CN" altLang="en-US" smtClean="0"/>
-              <a:t>2023/1/24</a:t>
+              <a:t>2023/1/28</a:t>
             </a:fld>
             <a:endParaRPr lang="zh-CN" altLang="en-US" dirty="0"/>
           </a:p>
@@ -8137,7 +8137,7 @@
           <a:p>
             <a:fld id="{D997B5FA-0921-464F-AAE1-844C04324D75}" type="datetimeFigureOut">
               <a:rPr lang="zh-CN" altLang="en-US" smtClean="0"/>
-              <a:t>2023/1/24</a:t>
+              <a:t>2023/1/28</a:t>
             </a:fld>
             <a:endParaRPr lang="zh-CN" altLang="en-US"/>
           </a:p>
@@ -8819,7 +8819,7 @@
           <a:p>
             <a:fld id="{760FBDFE-C587-4B4C-A407-44438C67B59E}" type="datetimeFigureOut">
               <a:rPr lang="zh-CN" altLang="en-US" smtClean="0"/>
-              <a:t>2023/1/24</a:t>
+              <a:t>2023/1/28</a:t>
             </a:fld>
             <a:endParaRPr lang="zh-CN" altLang="en-US"/>
           </a:p>
@@ -9355,7 +9355,7 @@
           <a:p>
             <a:fld id="{760FBDFE-C587-4B4C-A407-44438C67B59E}" type="datetimeFigureOut">
               <a:rPr lang="zh-CN" altLang="en-US" smtClean="0"/>
-              <a:t>2023/1/24</a:t>
+              <a:t>2023/1/28</a:t>
             </a:fld>
             <a:endParaRPr lang="zh-CN" altLang="en-US"/>
           </a:p>
@@ -10122,7 +10122,7 @@
           <a:p>
             <a:fld id="{760FBDFE-C587-4B4C-A407-44438C67B59E}" type="datetimeFigureOut">
               <a:rPr lang="zh-CN" altLang="en-US" smtClean="0"/>
-              <a:t>2023/1/24</a:t>
+              <a:t>2023/1/28</a:t>
             </a:fld>
             <a:endParaRPr lang="zh-CN" altLang="en-US"/>
           </a:p>
@@ -10588,7 +10588,7 @@
           <a:p>
             <a:fld id="{760FBDFE-C587-4B4C-A407-44438C67B59E}" type="datetimeFigureOut">
               <a:rPr lang="zh-CN" altLang="en-US" smtClean="0"/>
-              <a:t>2023/1/24</a:t>
+              <a:t>2023/1/28</a:t>
             </a:fld>
             <a:endParaRPr lang="zh-CN" altLang="en-US"/>
           </a:p>
@@ -11278,7 +11278,7 @@
           <a:p>
             <a:fld id="{760FBDFE-C587-4B4C-A407-44438C67B59E}" type="datetimeFigureOut">
               <a:rPr lang="zh-CN" altLang="en-US" smtClean="0"/>
-              <a:t>2023/1/24</a:t>
+              <a:t>2023/1/28</a:t>
             </a:fld>
             <a:endParaRPr lang="zh-CN" altLang="en-US"/>
           </a:p>
@@ -11752,7 +11752,7 @@
           <a:p>
             <a:fld id="{760FBDFE-C587-4B4C-A407-44438C67B59E}" type="datetimeFigureOut">
               <a:rPr lang="zh-CN" altLang="en-US" smtClean="0"/>
-              <a:t>2023/1/24</a:t>
+              <a:t>2023/1/28</a:t>
             </a:fld>
             <a:endParaRPr lang="zh-CN" altLang="en-US" dirty="0"/>
           </a:p>
@@ -12478,7 +12478,7 @@
           <a:p>
             <a:fld id="{760FBDFE-C587-4B4C-A407-44438C67B59E}" type="datetimeFigureOut">
               <a:rPr lang="zh-CN" altLang="en-US" smtClean="0"/>
-              <a:t>2023/1/24</a:t>
+              <a:t>2023/1/28</a:t>
             </a:fld>
             <a:endParaRPr lang="zh-CN" altLang="en-US"/>
           </a:p>
@@ -13118,7 +13118,7 @@
           <a:p>
             <a:fld id="{760FBDFE-C587-4B4C-A407-44438C67B59E}" type="datetimeFigureOut">
               <a:rPr lang="zh-CN" altLang="en-US" smtClean="0"/>
-              <a:t>2023/1/24</a:t>
+              <a:t>2023/1/28</a:t>
             </a:fld>
             <a:endParaRPr lang="zh-CN" altLang="en-US"/>
           </a:p>
@@ -13545,7 +13545,7 @@
           <a:p>
             <a:fld id="{760FBDFE-C587-4B4C-A407-44438C67B59E}" type="datetimeFigureOut">
               <a:rPr lang="zh-CN" altLang="en-US" smtClean="0"/>
-              <a:t>2023/1/24</a:t>
+              <a:t>2023/1/28</a:t>
             </a:fld>
             <a:endParaRPr lang="zh-CN" altLang="en-US"/>
           </a:p>
@@ -14745,7 +14745,7 @@
           <a:p>
             <a:fld id="{760FBDFE-C587-4B4C-A407-44438C67B59E}" type="datetimeFigureOut">
               <a:rPr lang="zh-CN" altLang="en-US" smtClean="0"/>
-              <a:t>2023/1/24</a:t>
+              <a:t>2023/1/28</a:t>
             </a:fld>
             <a:endParaRPr lang="zh-CN" altLang="en-US"/>
           </a:p>
@@ -15064,7 +15064,7 @@
           <a:p>
             <a:fld id="{D997B5FA-0921-464F-AAE1-844C04324D75}" type="datetimeFigureOut">
               <a:rPr lang="zh-CN" altLang="en-US" smtClean="0"/>
-              <a:t>2023/1/24</a:t>
+              <a:t>2023/1/28</a:t>
             </a:fld>
             <a:endParaRPr lang="zh-CN" altLang="en-US"/>
           </a:p>
@@ -15288,7 +15288,7 @@
           <a:p>
             <a:fld id="{D997B5FA-0921-464F-AAE1-844C04324D75}" type="datetimeFigureOut">
               <a:rPr lang="zh-CN" altLang="en-US" smtClean="0"/>
-              <a:t>2023/1/24</a:t>
+              <a:t>2023/1/28</a:t>
             </a:fld>
             <a:endParaRPr lang="zh-CN" altLang="en-US"/>
           </a:p>
@@ -15647,7 +15647,7 @@
           <a:p>
             <a:fld id="{D997B5FA-0921-464F-AAE1-844C04324D75}" type="datetimeFigureOut">
               <a:rPr lang="zh-CN" altLang="en-US" smtClean="0"/>
-              <a:t>2023/1/24</a:t>
+              <a:t>2023/1/28</a:t>
             </a:fld>
             <a:endParaRPr lang="zh-CN" altLang="en-US"/>
           </a:p>
@@ -15759,7 +15759,7 @@
           <a:p>
             <a:fld id="{D997B5FA-0921-464F-AAE1-844C04324D75}" type="datetimeFigureOut">
               <a:rPr lang="zh-CN" altLang="en-US" smtClean="0"/>
-              <a:t>2023/1/24</a:t>
+              <a:t>2023/1/28</a:t>
             </a:fld>
             <a:endParaRPr lang="zh-CN" altLang="en-US"/>
           </a:p>
@@ -15849,7 +15849,7 @@
           <a:p>
             <a:fld id="{D997B5FA-0921-464F-AAE1-844C04324D75}" type="datetimeFigureOut">
               <a:rPr lang="zh-CN" altLang="en-US" smtClean="0"/>
-              <a:t>2023/1/24</a:t>
+              <a:t>2023/1/28</a:t>
             </a:fld>
             <a:endParaRPr lang="zh-CN" altLang="en-US"/>
           </a:p>
@@ -16119,7 +16119,7 @@
           <a:p>
             <a:fld id="{D997B5FA-0921-464F-AAE1-844C04324D75}" type="datetimeFigureOut">
               <a:rPr lang="zh-CN" altLang="en-US" smtClean="0"/>
-              <a:t>2023/1/24</a:t>
+              <a:t>2023/1/28</a:t>
             </a:fld>
             <a:endParaRPr lang="zh-CN" altLang="en-US"/>
           </a:p>
@@ -16366,7 +16366,7 @@
           <a:p>
             <a:fld id="{D997B5FA-0921-464F-AAE1-844C04324D75}" type="datetimeFigureOut">
               <a:rPr lang="zh-CN" altLang="en-US" smtClean="0"/>
-              <a:t>2023/1/24</a:t>
+              <a:t>2023/1/28</a:t>
             </a:fld>
             <a:endParaRPr lang="zh-CN" altLang="en-US"/>
           </a:p>
@@ -16572,7 +16572,7 @@
           <a:p>
             <a:fld id="{D997B5FA-0921-464F-AAE1-844C04324D75}" type="datetimeFigureOut">
               <a:rPr lang="zh-CN" altLang="en-US" smtClean="0"/>
-              <a:t>2023/1/24</a:t>
+              <a:t>2023/1/28</a:t>
             </a:fld>
             <a:endParaRPr lang="zh-CN" altLang="en-US"/>
           </a:p>
@@ -17119,7 +17119,7 @@
           <a:p>
             <a:fld id="{760FBDFE-C587-4B4C-A407-44438C67B59E}" type="datetimeFigureOut">
               <a:rPr lang="zh-CN" altLang="en-US" smtClean="0"/>
-              <a:t>2023/1/24</a:t>
+              <a:t>2023/1/28</a:t>
             </a:fld>
             <a:endParaRPr lang="zh-CN" altLang="en-US"/>
           </a:p>
@@ -26703,7 +26703,7 @@
             </p:custDataLst>
             <p:extLst>
               <p:ext uri="{D42A27DB-BD31-4B8C-83A1-F6EECF244321}">
-                <p14:modId xmlns:p14="http://schemas.microsoft.com/office/powerpoint/2010/main" val="332371868"/>
+                <p14:modId xmlns:p14="http://schemas.microsoft.com/office/powerpoint/2010/main" val="2505235684"/>
               </p:ext>
             </p:extLst>
           </p:nvPr>
@@ -26785,7 +26785,7 @@
                           <a:ea typeface="+mn-ea"/>
                           <a:cs typeface="+mn-cs"/>
                         </a:rPr>
-                        <a:t>Stay Hungry Stay Foolish</a:t>
+                        <a:t>Stay Hungry Stay Foolish.</a:t>
                       </a:r>
                     </a:p>
                   </a:txBody>
@@ -27294,7 +27294,7 @@
                 <a:ea typeface="等线" panose="02010600030101010101" pitchFamily="2" charset="-122"/>
                 <a:cs typeface="Courier New" panose="02070309020205020404" pitchFamily="49" charset="0"/>
               </a:rPr>
-              <a:t>"Stay Hungry Stay Foolish"</a:t>
+              <a:t>"Stay Hungry Stay Foolish."</a:t>
             </a:r>
             <a:r>
               <a:rPr lang="en-US" altLang="zh-CN" sz="1800" b="1" kern="0">
